--- a/컴포넌트 분석.pptx
+++ b/컴포넌트 분석.pptx
@@ -2,7 +2,7 @@
 <file path=ppt/presentation.xml><?xml version="1.0" encoding="utf-8"?>
 <p:presentation xmlns:r="http://schemas.openxmlformats.org/officeDocument/2006/relationships" xmlns:c="http://schemas.openxmlformats.org/drawingml/2006/chart" xmlns:a="http://schemas.openxmlformats.org/drawingml/2006/main" xmlns:dgm="http://schemas.openxmlformats.org/drawingml/2006/diagram" xmlns:dsp="http://schemas.microsoft.com/office/drawing/2008/diagram" xmlns:p="http://schemas.openxmlformats.org/presentationml/2006/main" strictFirstAndLastChars="0" autoCompressPictures="0">
   <p:sldMasterIdLst>
-    <p:sldMasterId id="2147483668" r:id="rId1"/>
+    <p:sldMasterId id="2147483660" r:id="rId1"/>
   </p:sldMasterIdLst>
   <p:notesMasterIdLst>
     <p:notesMasterId r:id="rId2"/>
@@ -7904,7 +7904,7 @@
         </p:blipFill>
         <p:spPr>
           <a:xfrm>
-            <a:off x="7037451" y="3368230"/>
+            <a:off x="4902327" y="2905506"/>
             <a:ext cx="1666875" cy="495300"/>
           </a:xfrm>
           <a:prstGeom prst="rect">
@@ -7973,6 +7973,54 @@
               <a:schemeClr val="dk1"/>
             </a:solidFill>
           </a:ln>
+        </p:spPr>
+      </p:pic>
+      <p:pic>
+        <p:nvPicPr>
+          <p:cNvPr id="224" name=""/>
+          <p:cNvPicPr>
+            <a:picLocks noChangeAspect="1"/>
+          </p:cNvPicPr>
+          <p:nvPr/>
+        </p:nvPicPr>
+        <p:blipFill rotWithShape="1">
+          <a:blip r:embed="rId11"/>
+          <a:stretch>
+            <a:fillRect/>
+          </a:stretch>
+        </p:blipFill>
+        <p:spPr>
+          <a:xfrm>
+            <a:off x="7541538" y="3400806"/>
+            <a:ext cx="419100" cy="371475"/>
+          </a:xfrm>
+          <a:prstGeom prst="rect">
+            <a:avLst/>
+          </a:prstGeom>
+        </p:spPr>
+      </p:pic>
+      <p:pic>
+        <p:nvPicPr>
+          <p:cNvPr id="225" name=""/>
+          <p:cNvPicPr>
+            <a:picLocks noChangeAspect="1"/>
+          </p:cNvPicPr>
+          <p:nvPr/>
+        </p:nvPicPr>
+        <p:blipFill rotWithShape="1">
+          <a:blip r:embed="rId12"/>
+          <a:stretch>
+            <a:fillRect/>
+          </a:stretch>
+        </p:blipFill>
+        <p:spPr>
+          <a:xfrm>
+            <a:off x="7170062" y="4011930"/>
+            <a:ext cx="1524000" cy="381000"/>
+          </a:xfrm>
+          <a:prstGeom prst="rect">
+            <a:avLst/>
+          </a:prstGeom>
         </p:spPr>
       </p:pic>
     </p:spTree>

--- a/컴포넌트 분석.pptx
+++ b/컴포넌트 분석.pptx
@@ -2,7 +2,7 @@
 <file path=ppt/presentation.xml><?xml version="1.0" encoding="utf-8"?>
 <p:presentation xmlns:r="http://schemas.openxmlformats.org/officeDocument/2006/relationships" xmlns:c="http://schemas.openxmlformats.org/drawingml/2006/chart" xmlns:a="http://schemas.openxmlformats.org/drawingml/2006/main" xmlns:dgm="http://schemas.openxmlformats.org/drawingml/2006/diagram" xmlns:dsp="http://schemas.microsoft.com/office/drawing/2008/diagram" xmlns:p="http://schemas.openxmlformats.org/presentationml/2006/main" strictFirstAndLastChars="0" autoCompressPictures="0">
   <p:sldMasterIdLst>
-    <p:sldMasterId id="2147483660" r:id="rId1"/>
+    <p:sldMasterId id="2147483662" r:id="rId1"/>
   </p:sldMasterIdLst>
   <p:notesMasterIdLst>
     <p:notesMasterId r:id="rId2"/>
@@ -7846,7 +7846,7 @@
         </p:blipFill>
         <p:spPr>
           <a:xfrm>
-            <a:off x="4788027" y="1200149"/>
+            <a:off x="4788027" y="2029206"/>
             <a:ext cx="1781175" cy="1371600"/>
           </a:xfrm>
           <a:prstGeom prst="rect">
@@ -7904,7 +7904,7 @@
         </p:blipFill>
         <p:spPr>
           <a:xfrm>
-            <a:off x="4902327" y="2905506"/>
+            <a:off x="4902327" y="3772281"/>
             <a:ext cx="1666875" cy="495300"/>
           </a:xfrm>
           <a:prstGeom prst="rect">
